--- a/fig/AWS_Simple_Icons_PPT_v16.2.22.pptx
+++ b/fig/AWS_Simple_Icons_PPT_v16.2.22.pptx
@@ -504,7 +504,7 @@
             <a:fld id="{0B25AC41-3BEC-9247-8322-91B80C013F2D}" type="datetimeFigureOut">
               <a:rPr lang="en-US" smtClean="0"/>
               <a:pPr/>
-              <a:t>6/21/16</a:t>
+              <a:t>6/22/16</a:t>
             </a:fld>
             <a:endParaRPr lang="en-US" dirty="0"/>
           </a:p>
@@ -28955,7 +28955,7 @@
         </p:nvSpPr>
         <p:spPr>
           <a:xfrm>
-            <a:off x="2262866" y="2083396"/>
+            <a:off x="2262866" y="2044320"/>
             <a:ext cx="2212742" cy="1733550"/>
           </a:xfrm>
           <a:prstGeom prst="roundRect">
@@ -29125,7 +29125,7 @@
             </a:pPr>
             <a:endParaRPr lang="en-US" sz="1200" dirty="0">
               <a:solidFill>
-                <a:schemeClr val="tx1"/>
+                <a:schemeClr val="accent4"/>
               </a:solidFill>
               <a:latin typeface="Helvetica Neue"/>
               <a:cs typeface="Helvetica Neue"/>
@@ -29205,7 +29205,7 @@
         </p:nvSpPr>
         <p:spPr bwMode="auto">
           <a:xfrm>
-            <a:off x="2328523" y="3535887"/>
+            <a:off x="2377368" y="3496811"/>
             <a:ext cx="1738963" cy="276999"/>
           </a:xfrm>
           <a:prstGeom prst="rect">
@@ -29227,16 +29227,16 @@
           <a:p>
             <a:r>
               <a:rPr lang="en-US" sz="1200" dirty="0" smtClean="0">
-                <a:latin typeface="+mj-lt"/>
+                <a:latin typeface="Open Sans Light"/>
                 <a:ea typeface="Verdana" pitchFamily="34" charset="0"/>
-                <a:cs typeface="Helvetica Neue"/>
+                <a:cs typeface="Open Sans Light"/>
               </a:rPr>
               <a:t>Auto Scaling group</a:t>
             </a:r>
             <a:endParaRPr lang="en-US" sz="1200" dirty="0">
-              <a:latin typeface="+mj-lt"/>
+              <a:latin typeface="Open Sans Light"/>
               <a:ea typeface="Verdana" pitchFamily="34" charset="0"/>
-              <a:cs typeface="Helvetica Neue"/>
+              <a:cs typeface="Open Sans Light"/>
             </a:endParaRPr>
           </a:p>
         </p:txBody>
@@ -29276,9 +29276,9 @@
                 <a:solidFill>
                   <a:srgbClr val="F7981F"/>
                 </a:solidFill>
-                <a:latin typeface="+mj-lt"/>
+                <a:latin typeface="Open Sans Light"/>
                 <a:ea typeface="Verdana" pitchFamily="34" charset="0"/>
-                <a:cs typeface="Helvetica Neue"/>
+                <a:cs typeface="Open Sans Light"/>
               </a:rPr>
               <a:t>Availability Zone</a:t>
             </a:r>
@@ -29317,16 +29317,22 @@
           <a:p>
             <a:r>
               <a:rPr lang="en-US" sz="1200" dirty="0" smtClean="0">
-                <a:latin typeface="+mj-lt"/>
+                <a:solidFill>
+                  <a:srgbClr val="00B0F0"/>
+                </a:solidFill>
+                <a:latin typeface="Open Sans Light"/>
                 <a:ea typeface="Verdana" pitchFamily="34" charset="0"/>
-                <a:cs typeface="Helvetica Neue"/>
+                <a:cs typeface="Open Sans Light"/>
               </a:rPr>
               <a:t>region</a:t>
             </a:r>
             <a:endParaRPr lang="en-US" sz="1200" dirty="0">
-              <a:latin typeface="+mj-lt"/>
+              <a:solidFill>
+                <a:srgbClr val="00B0F0"/>
+              </a:solidFill>
+              <a:latin typeface="Open Sans Light"/>
               <a:ea typeface="Verdana" pitchFamily="34" charset="0"/>
-              <a:cs typeface="Helvetica Neue"/>
+              <a:cs typeface="Open Sans Light"/>
             </a:endParaRPr>
           </a:p>
         </p:txBody>
@@ -29364,21 +29370,21 @@
             <a:r>
               <a:rPr lang="en-US" sz="1200" dirty="0" smtClean="0">
                 <a:solidFill>
-                  <a:srgbClr val="6F2927"/>
+                  <a:srgbClr val="FF0000"/>
                 </a:solidFill>
-                <a:latin typeface="+mj-lt"/>
+                <a:latin typeface="Open Sans Light"/>
                 <a:ea typeface="Verdana" pitchFamily="34" charset="0"/>
-                <a:cs typeface="Helvetica Neue"/>
+                <a:cs typeface="Open Sans Light"/>
               </a:rPr>
-              <a:t>security group</a:t>
+              <a:t>Security Group</a:t>
             </a:r>
             <a:endParaRPr lang="en-US" sz="1200" dirty="0">
               <a:solidFill>
-                <a:srgbClr val="6F2927"/>
+                <a:srgbClr val="FF0000"/>
               </a:solidFill>
-              <a:latin typeface="+mj-lt"/>
+              <a:latin typeface="Open Sans Light"/>
               <a:ea typeface="Verdana" pitchFamily="34" charset="0"/>
-              <a:cs typeface="Helvetica Neue"/>
+              <a:cs typeface="Open Sans Light"/>
             </a:endParaRPr>
           </a:p>
         </p:txBody>
@@ -29415,24 +29421,24 @@
           <a:p>
             <a:r>
               <a:rPr lang="en-US" sz="1200" dirty="0">
-                <a:latin typeface="+mj-lt"/>
+                <a:latin typeface="Open Sans Light"/>
                 <a:ea typeface="Verdana" pitchFamily="34" charset="0"/>
-                <a:cs typeface="Helvetica Neue"/>
+                <a:cs typeface="Open Sans Light"/>
               </a:rPr>
               <a:t>VPC </a:t>
             </a:r>
             <a:r>
               <a:rPr lang="en-US" sz="1200" dirty="0" smtClean="0">
-                <a:latin typeface="+mj-lt"/>
+                <a:latin typeface="Open Sans Light"/>
                 <a:ea typeface="Verdana" pitchFamily="34" charset="0"/>
-                <a:cs typeface="Helvetica Neue"/>
+                <a:cs typeface="Open Sans Light"/>
               </a:rPr>
               <a:t>subnet</a:t>
             </a:r>
             <a:endParaRPr lang="en-US" sz="1200" dirty="0">
-              <a:latin typeface="+mj-lt"/>
+              <a:latin typeface="Open Sans Light"/>
               <a:ea typeface="Verdana" pitchFamily="34" charset="0"/>
-              <a:cs typeface="Helvetica Neue"/>
+              <a:cs typeface="Open Sans Light"/>
             </a:endParaRPr>
           </a:p>
         </p:txBody>
@@ -29597,7 +29603,7 @@
           <a:noFill/>
           <a:ln w="6350">
             <a:solidFill>
-              <a:schemeClr val="tx1"/>
+              <a:srgbClr val="FF6600"/>
             </a:solidFill>
             <a:prstDash val="solid"/>
           </a:ln>
@@ -29650,7 +29656,7 @@
         </p:nvSpPr>
         <p:spPr bwMode="auto">
           <a:xfrm>
-            <a:off x="1879912" y="4659161"/>
+            <a:off x="2075302" y="4649392"/>
             <a:ext cx="1557337" cy="276999"/>
           </a:xfrm>
           <a:prstGeom prst="rect">
@@ -29672,6 +29678,9 @@
           <a:p>
             <a:r>
               <a:rPr lang="en-US" sz="1200" b="1" dirty="0" smtClean="0">
+                <a:solidFill>
+                  <a:srgbClr val="FF6600"/>
+                </a:solidFill>
                 <a:latin typeface="Open Sans Light"/>
                 <a:ea typeface="Verdana" pitchFamily="34" charset="0"/>
                 <a:cs typeface="Open Sans Light"/>
@@ -29679,6 +29688,9 @@
               <a:t>AWS cloud</a:t>
             </a:r>
             <a:endParaRPr lang="en-US" sz="1200" b="1" dirty="0">
+              <a:solidFill>
+                <a:srgbClr val="FF6600"/>
+              </a:solidFill>
               <a:latin typeface="Open Sans Light"/>
               <a:ea typeface="Verdana" pitchFamily="34" charset="0"/>
               <a:cs typeface="Open Sans Light"/>
@@ -29686,6 +29698,36 @@
           </a:p>
         </p:txBody>
       </p:sp>
+      <p:pic>
+        <p:nvPicPr>
+          <p:cNvPr id="16" name="Picture 15"/>
+          <p:cNvPicPr>
+            <a:picLocks noChangeAspect="1"/>
+          </p:cNvPicPr>
+          <p:nvPr/>
+        </p:nvPicPr>
+        <p:blipFill>
+          <a:blip r:embed="rId2">
+            <a:extLst>
+              <a:ext uri="{28A0092B-C50C-407E-A947-70E740481C1C}">
+                <a14:useLocalDpi xmlns:a14="http://schemas.microsoft.com/office/drawing/2010/main" val="0"/>
+              </a:ext>
+            </a:extLst>
+          </a:blip>
+          <a:stretch>
+            <a:fillRect/>
+          </a:stretch>
+        </p:blipFill>
+        <p:spPr>
+          <a:xfrm>
+            <a:off x="1683386" y="4596390"/>
+            <a:ext cx="428862" cy="279952"/>
+          </a:xfrm>
+          <a:prstGeom prst="rect">
+            <a:avLst/>
+          </a:prstGeom>
+        </p:spPr>
+      </p:pic>
     </p:spTree>
     <p:extLst>
       <p:ext uri="{BB962C8B-B14F-4D97-AF65-F5344CB8AC3E}">
@@ -29696,6 +29738,81 @@
   <p:clrMapOvr>
     <a:masterClrMapping/>
   </p:clrMapOvr>
+  <p:timing>
+    <p:tnLst>
+      <p:par>
+        <p:cTn xmlns:p14="http://schemas.microsoft.com/office/powerpoint/2010/main" id="1" dur="indefinite" restart="never" nodeType="tmRoot">
+          <p:childTnLst>
+            <p:seq concurrent="1" nextAc="seek">
+              <p:cTn id="2" dur="indefinite" nodeType="mainSeq">
+                <p:childTnLst>
+                  <p:par>
+                    <p:cTn id="3" fill="hold">
+                      <p:stCondLst>
+                        <p:cond delay="indefinite"/>
+                      </p:stCondLst>
+                      <p:childTnLst>
+                        <p:par>
+                          <p:cTn id="4" fill="hold">
+                            <p:stCondLst>
+                              <p:cond delay="0"/>
+                            </p:stCondLst>
+                            <p:childTnLst>
+                              <p:par>
+                                <p:cTn id="5" presetID="1" presetClass="entr" presetSubtype="0" fill="hold" nodeType="clickEffect">
+                                  <p:stCondLst>
+                                    <p:cond delay="0"/>
+                                  </p:stCondLst>
+                                  <p:childTnLst>
+                                    <p:set>
+                                      <p:cBhvr>
+                                        <p:cTn id="6" dur="1" fill="hold">
+                                          <p:stCondLst>
+                                            <p:cond delay="0"/>
+                                          </p:stCondLst>
+                                        </p:cTn>
+                                        <p:tgtEl>
+                                          <p:spTgt spid="16"/>
+                                        </p:tgtEl>
+                                        <p:attrNameLst>
+                                          <p:attrName>style.visibility</p:attrName>
+                                        </p:attrNameLst>
+                                      </p:cBhvr>
+                                      <p:to>
+                                        <p:strVal val="visible"/>
+                                      </p:to>
+                                    </p:set>
+                                  </p:childTnLst>
+                                </p:cTn>
+                              </p:par>
+                            </p:childTnLst>
+                          </p:cTn>
+                        </p:par>
+                      </p:childTnLst>
+                    </p:cTn>
+                  </p:par>
+                </p:childTnLst>
+              </p:cTn>
+              <p:prevCondLst>
+                <p:cond evt="onPrev" delay="0">
+                  <p:tgtEl>
+                    <p:sldTgt/>
+                  </p:tgtEl>
+                </p:cond>
+              </p:prevCondLst>
+              <p:nextCondLst>
+                <p:cond evt="onNext" delay="0">
+                  <p:tgtEl>
+                    <p:sldTgt/>
+                  </p:tgtEl>
+                </p:cond>
+              </p:nextCondLst>
+            </p:seq>
+          </p:childTnLst>
+        </p:cTn>
+      </p:par>
+    </p:tnLst>
+  </p:timing>
 </p:sld>
 </file>
 

--- a/fig/AWS_Simple_Icons_PPT_v16.2.22.pptx
+++ b/fig/AWS_Simple_Icons_PPT_v16.2.22.pptx
@@ -268,7 +268,7 @@
       </p14:sectionLst>
     </p:ext>
     <p:ext uri="{EFAFB233-063F-42B5-8137-9DF3F51BA10A}">
-      <p15:sldGuideLst xmlns:p15="http://schemas.microsoft.com/office/powerpoint/2012/main" xmlns="">
+      <p15:sldGuideLst xmlns="" xmlns:p15="http://schemas.microsoft.com/office/powerpoint/2012/main">
         <p15:guide id="1" orient="horz" pos="644">
           <p15:clr>
             <a:srgbClr val="A4A3A4"/>
@@ -504,7 +504,7 @@
             <a:fld id="{0B25AC41-3BEC-9247-8322-91B80C013F2D}" type="datetimeFigureOut">
               <a:rPr lang="en-US" smtClean="0"/>
               <a:pPr/>
-              <a:t>6/22/16</a:t>
+              <a:t>7/3/16</a:t>
             </a:fld>
             <a:endParaRPr lang="en-US" dirty="0"/>
           </a:p>
@@ -29280,8 +29280,27 @@
                 <a:ea typeface="Verdana" pitchFamily="34" charset="0"/>
                 <a:cs typeface="Open Sans Light"/>
               </a:rPr>
-              <a:t>Availability Zone</a:t>
-            </a:r>
+              <a:t>Availability </a:t>
+            </a:r>
+            <a:r>
+              <a:rPr lang="en-US" sz="1200" dirty="0" smtClean="0">
+                <a:solidFill>
+                  <a:srgbClr val="F7981F"/>
+                </a:solidFill>
+                <a:latin typeface="Open Sans Light"/>
+                <a:ea typeface="Verdana" pitchFamily="34" charset="0"/>
+                <a:cs typeface="Open Sans Light"/>
+              </a:rPr>
+              <a:t>Zone a</a:t>
+            </a:r>
+            <a:endParaRPr lang="en-US" sz="1200" dirty="0">
+              <a:solidFill>
+                <a:srgbClr val="F7981F"/>
+              </a:solidFill>
+              <a:latin typeface="Open Sans Light"/>
+              <a:ea typeface="Verdana" pitchFamily="34" charset="0"/>
+              <a:cs typeface="Open Sans Light"/>
+            </a:endParaRPr>
           </a:p>
         </p:txBody>
       </p:sp>
@@ -29324,7 +29343,7 @@
                 <a:ea typeface="Verdana" pitchFamily="34" charset="0"/>
                 <a:cs typeface="Open Sans Light"/>
               </a:rPr>
-              <a:t>region</a:t>
+              <a:t>region us-west-2</a:t>
             </a:r>
             <a:endParaRPr lang="en-US" sz="1200" dirty="0">
               <a:solidFill>
@@ -29433,7 +29452,7 @@
                 <a:ea typeface="Verdana" pitchFamily="34" charset="0"/>
                 <a:cs typeface="Open Sans Light"/>
               </a:rPr>
-              <a:t>subnet</a:t>
+              <a:t>subnet A</a:t>
             </a:r>
             <a:endParaRPr lang="en-US" sz="1200" dirty="0">
               <a:latin typeface="Open Sans Light"/>
@@ -36106,7 +36125,7 @@
   <a:extraClrSchemeLst/>
   <a:extLst>
     <a:ext uri="{05A4C25C-085E-4340-85A3-A5531E510DB2}">
-      <thm15:themeFamily xmlns:thm15="http://schemas.microsoft.com/office/thememl/2012/main" xmlns="" name="AWS PPT template" id="{82A343B7-D19D-4E6E-9E5D-C6238F1C4303}" vid="{1B8EB16C-F7CF-4AA2-8EB3-83C0A947C657}"/>
+      <thm15:themeFamily xmlns="" xmlns:thm15="http://schemas.microsoft.com/office/thememl/2012/main" name="AWS PPT template" id="{82A343B7-D19D-4E6E-9E5D-C6238F1C4303}" vid="{1B8EB16C-F7CF-4AA2-8EB3-83C0A947C657}"/>
     </a:ext>
   </a:extLst>
 </a:theme>
